--- a/covid_project.pptx
+++ b/covid_project.pptx
@@ -13,6 +13,7 @@
     <p:sldId id="260" r:id="rId7"/>
     <p:sldId id="261" r:id="rId8"/>
     <p:sldId id="264" r:id="rId9"/>
+    <p:sldId id="265" r:id="rId10"/>
   </p:sldIdLst>
   <p:sldSz cx="12192000" cy="6858000"/>
   <p:notesSz cx="6858000" cy="9144000"/>
@@ -111,6 +112,11 @@
       </a:defRPr>
     </a:lvl9pPr>
   </p:defaultTextStyle>
+  <p:extLst>
+    <p:ext uri="{EFAFB233-063F-42B5-8137-9DF3F51BA10A}">
+      <p15:sldGuideLst xmlns:p15="http://schemas.microsoft.com/office/powerpoint/2012/main"/>
+    </p:ext>
+  </p:extLst>
 </p:presentation>
 </file>
 
@@ -209,7 +215,7 @@
           <a:effectLst/>
           <a:extLst>
             <a:ext uri="{91240B29-F687-4f45-9708-019B960494DF}">
-              <a14:hiddenLine xmlns:a14="http://schemas.microsoft.com/office/drawing/2010/main" xmlns="" w="9525">
+              <a14:hiddenLine xmlns="" xmlns:a14="http://schemas.microsoft.com/office/drawing/2010/main" w="9525">
                 <a:solidFill>
                   <a:srgbClr val="000000"/>
                 </a:solidFill>
@@ -1719,7 +1725,7 @@
           <a:ln/>
           <a:extLst>
             <a:ext uri="{91240B29-F687-4f45-9708-019B960494DF}">
-              <a14:hiddenLine xmlns:a14="http://schemas.microsoft.com/office/drawing/2010/main" xmlns="" w="9525">
+              <a14:hiddenLine xmlns="" xmlns:a14="http://schemas.microsoft.com/office/drawing/2010/main" w="9525">
                 <a:solidFill>
                   <a:srgbClr val="000000"/>
                 </a:solidFill>
@@ -1991,7 +1997,7 @@
           <a:ln/>
           <a:extLst>
             <a:ext uri="{91240B29-F687-4f45-9708-019B960494DF}">
-              <a14:hiddenLine xmlns:a14="http://schemas.microsoft.com/office/drawing/2010/main" xmlns="" w="9525">
+              <a14:hiddenLine xmlns="" xmlns:a14="http://schemas.microsoft.com/office/drawing/2010/main" w="9525">
                 <a:solidFill>
                   <a:srgbClr val="000000"/>
                 </a:solidFill>
@@ -2271,7 +2277,7 @@
           <a:ln/>
           <a:extLst>
             <a:ext uri="{91240B29-F687-4f45-9708-019B960494DF}">
-              <a14:hiddenLine xmlns:a14="http://schemas.microsoft.com/office/drawing/2010/main" xmlns="" w="9525">
+              <a14:hiddenLine xmlns="" xmlns:a14="http://schemas.microsoft.com/office/drawing/2010/main" w="9525">
                 <a:solidFill>
                   <a:srgbClr val="000000"/>
                 </a:solidFill>
@@ -2891,7 +2897,7 @@
           <a:ln/>
           <a:extLst>
             <a:ext uri="{91240B29-F687-4f45-9708-019B960494DF}">
-              <a14:hiddenLine xmlns:a14="http://schemas.microsoft.com/office/drawing/2010/main" xmlns="" w="9525">
+              <a14:hiddenLine xmlns="" xmlns:a14="http://schemas.microsoft.com/office/drawing/2010/main" w="9525">
                 <a:solidFill>
                   <a:srgbClr val="000000"/>
                 </a:solidFill>
@@ -3227,7 +3233,7 @@
           <a:ln/>
           <a:extLst>
             <a:ext uri="{91240B29-F687-4f45-9708-019B960494DF}">
-              <a14:hiddenLine xmlns:a14="http://schemas.microsoft.com/office/drawing/2010/main" xmlns="" w="9525">
+              <a14:hiddenLine xmlns="" xmlns:a14="http://schemas.microsoft.com/office/drawing/2010/main" w="9525">
                 <a:solidFill>
                   <a:srgbClr val="000000"/>
                 </a:solidFill>
@@ -3701,7 +3707,7 @@
           <a:ln/>
           <a:extLst>
             <a:ext uri="{91240B29-F687-4f45-9708-019B960494DF}">
-              <a14:hiddenLine xmlns:a14="http://schemas.microsoft.com/office/drawing/2010/main" xmlns="" w="9525">
+              <a14:hiddenLine xmlns="" xmlns:a14="http://schemas.microsoft.com/office/drawing/2010/main" w="9525">
                 <a:solidFill>
                   <a:srgbClr val="000000"/>
                 </a:solidFill>
@@ -4124,7 +4130,7 @@
           <a:ln/>
           <a:extLst>
             <a:ext uri="{91240B29-F687-4f45-9708-019B960494DF}">
-              <a14:hiddenLine xmlns:a14="http://schemas.microsoft.com/office/drawing/2010/main" xmlns="" w="9525">
+              <a14:hiddenLine xmlns="" xmlns:a14="http://schemas.microsoft.com/office/drawing/2010/main" w="9525">
                 <a:solidFill>
                   <a:srgbClr val="000000"/>
                 </a:solidFill>
@@ -6250,7 +6256,7 @@
             </a:r>
             <a:r>
               <a:rPr lang="en-US" dirty="0"/>
-              <a:t>)</a:t>
+              <a:t>)(1-2 days)</a:t>
             </a:r>
           </a:p>
           <a:p>
@@ -6268,7 +6274,7 @@
             </a:r>
             <a:r>
               <a:rPr lang="en-US" dirty="0"/>
-              <a:t> and Fei)</a:t>
+              <a:t> and Fei) (1-2 days)</a:t>
             </a:r>
           </a:p>
           <a:p>
@@ -6286,7 +6292,7 @@
             </a:r>
             <a:r>
               <a:rPr lang="en-US" dirty="0"/>
-              <a:t> and Fei)</a:t>
+              <a:t> and Fei)(3-4 days)</a:t>
             </a:r>
           </a:p>
           <a:p>
@@ -6304,7 +6310,7 @@
             </a:r>
             <a:r>
               <a:rPr lang="en-US" dirty="0"/>
-              <a:t> to make the page look nicer (Fei)</a:t>
+              <a:t> to make the page look nicer (Fei)(2-3 days)</a:t>
             </a:r>
           </a:p>
           <a:p>
@@ -6322,7 +6328,7 @@
             </a:r>
             <a:r>
               <a:rPr lang="en-US" dirty="0"/>
-              <a:t> and Fei)</a:t>
+              <a:t> and Fei) (1-2 days)</a:t>
             </a:r>
           </a:p>
         </p:txBody>
@@ -6331,6 +6337,98 @@
     <p:extLst>
       <p:ext uri="{BB962C8B-B14F-4D97-AF65-F5344CB8AC3E}">
         <p14:creationId xmlns:p14="http://schemas.microsoft.com/office/powerpoint/2010/main" val="3012964544"/>
+      </p:ext>
+    </p:extLst>
+  </p:cSld>
+  <p:clrMapOvr>
+    <a:masterClrMapping/>
+  </p:clrMapOvr>
+</p:sld>
+</file>
+
+<file path=ppt/slides/slide9.xml><?xml version="1.0" encoding="utf-8"?>
+<p:sld xmlns:a="http://schemas.openxmlformats.org/drawingml/2006/main" xmlns:r="http://schemas.openxmlformats.org/officeDocument/2006/relationships" xmlns:p="http://schemas.openxmlformats.org/presentationml/2006/main">
+  <p:cSld>
+    <p:spTree>
+      <p:nvGrpSpPr>
+        <p:cNvPr id="1" name=""/>
+        <p:cNvGrpSpPr/>
+        <p:nvPr/>
+      </p:nvGrpSpPr>
+      <p:grpSpPr>
+        <a:xfrm>
+          <a:off x="0" y="0"/>
+          <a:ext cx="0" cy="0"/>
+          <a:chOff x="0" y="0"/>
+          <a:chExt cx="0" cy="0"/>
+        </a:xfrm>
+      </p:grpSpPr>
+      <p:sp>
+        <p:nvSpPr>
+          <p:cNvPr id="2" name="Title 1">
+            <a:extLst>
+              <a:ext uri="{FF2B5EF4-FFF2-40B4-BE49-F238E27FC236}">
+                <a16:creationId xmlns:a16="http://schemas.microsoft.com/office/drawing/2014/main" id="{D3A5074D-6667-494A-B48F-59B18FFFB8DC}"/>
+              </a:ext>
+            </a:extLst>
+          </p:cNvPr>
+          <p:cNvSpPr>
+            <a:spLocks noGrp="1"/>
+          </p:cNvSpPr>
+          <p:nvPr>
+            <p:ph type="title"/>
+          </p:nvPr>
+        </p:nvSpPr>
+        <p:spPr/>
+        <p:txBody>
+          <a:bodyPr/>
+          <a:lstStyle/>
+          <a:p>
+            <a:r>
+              <a:rPr lang="en-US" dirty="0"/>
+              <a:t>Future work</a:t>
+            </a:r>
+          </a:p>
+        </p:txBody>
+      </p:sp>
+      <p:sp>
+        <p:nvSpPr>
+          <p:cNvPr id="3" name="Content Placeholder 2">
+            <a:extLst>
+              <a:ext uri="{FF2B5EF4-FFF2-40B4-BE49-F238E27FC236}">
+                <a16:creationId xmlns:a16="http://schemas.microsoft.com/office/drawing/2014/main" id="{C53608BF-096D-6641-B730-4034E00E525A}"/>
+              </a:ext>
+            </a:extLst>
+          </p:cNvPr>
+          <p:cNvSpPr>
+            <a:spLocks noGrp="1"/>
+          </p:cNvSpPr>
+          <p:nvPr>
+            <p:ph idx="1"/>
+          </p:nvPr>
+        </p:nvSpPr>
+        <p:spPr/>
+        <p:txBody>
+          <a:bodyPr/>
+          <a:lstStyle/>
+          <a:p>
+            <a:r>
+              <a:rPr lang="en-US" dirty="0"/>
+              <a:t>add a dynamic page with updated dataset </a:t>
+            </a:r>
+          </a:p>
+          <a:p>
+            <a:r>
+              <a:rPr lang="en-US" dirty="0"/>
+              <a:t>add a database to store the data </a:t>
+            </a:r>
+          </a:p>
+        </p:txBody>
+      </p:sp>
+    </p:spTree>
+    <p:extLst>
+      <p:ext uri="{BB962C8B-B14F-4D97-AF65-F5344CB8AC3E}">
+        <p14:creationId xmlns:p14="http://schemas.microsoft.com/office/powerpoint/2010/main" val="1258803344"/>
       </p:ext>
     </p:extLst>
   </p:cSld>
